--- a/pictures/triangles/5-circles.pptx
+++ b/pictures/triangles/5-circles.pptx
@@ -197,7 +197,7 @@
           <a:p>
             <a:fld id="{570CD29D-FD9A-DC4D-839B-7B557235FEB8}" type="datetimeFigureOut">
               <a:rPr lang="en-GB" smtClean="0"/>
-              <a:t>07/07/2024</a:t>
+              <a:t>18/07/2024</a:t>
             </a:fld>
             <a:endParaRPr lang="en-GB"/>
           </a:p>
@@ -690,7 +690,7 @@
           <a:p>
             <a:fld id="{62FDE275-0456-3F4D-B921-9E87CF373D9B}" type="datetimeFigureOut">
               <a:rPr lang="en-GB" smtClean="0"/>
-              <a:t>07/07/2024</a:t>
+              <a:t>18/07/2024</a:t>
             </a:fld>
             <a:endParaRPr lang="en-GB"/>
           </a:p>
@@ -860,7 +860,7 @@
           <a:p>
             <a:fld id="{62FDE275-0456-3F4D-B921-9E87CF373D9B}" type="datetimeFigureOut">
               <a:rPr lang="en-GB" smtClean="0"/>
-              <a:t>07/07/2024</a:t>
+              <a:t>18/07/2024</a:t>
             </a:fld>
             <a:endParaRPr lang="en-GB"/>
           </a:p>
@@ -1040,7 +1040,7 @@
           <a:p>
             <a:fld id="{62FDE275-0456-3F4D-B921-9E87CF373D9B}" type="datetimeFigureOut">
               <a:rPr lang="en-GB" smtClean="0"/>
-              <a:t>07/07/2024</a:t>
+              <a:t>18/07/2024</a:t>
             </a:fld>
             <a:endParaRPr lang="en-GB"/>
           </a:p>
@@ -1210,7 +1210,7 @@
           <a:p>
             <a:fld id="{62FDE275-0456-3F4D-B921-9E87CF373D9B}" type="datetimeFigureOut">
               <a:rPr lang="en-GB" smtClean="0"/>
-              <a:t>07/07/2024</a:t>
+              <a:t>18/07/2024</a:t>
             </a:fld>
             <a:endParaRPr lang="en-GB"/>
           </a:p>
@@ -1454,7 +1454,7 @@
           <a:p>
             <a:fld id="{62FDE275-0456-3F4D-B921-9E87CF373D9B}" type="datetimeFigureOut">
               <a:rPr lang="en-GB" smtClean="0"/>
-              <a:t>07/07/2024</a:t>
+              <a:t>18/07/2024</a:t>
             </a:fld>
             <a:endParaRPr lang="en-GB"/>
           </a:p>
@@ -1686,7 +1686,7 @@
           <a:p>
             <a:fld id="{62FDE275-0456-3F4D-B921-9E87CF373D9B}" type="datetimeFigureOut">
               <a:rPr lang="en-GB" smtClean="0"/>
-              <a:t>07/07/2024</a:t>
+              <a:t>18/07/2024</a:t>
             </a:fld>
             <a:endParaRPr lang="en-GB"/>
           </a:p>
@@ -2053,7 +2053,7 @@
           <a:p>
             <a:fld id="{62FDE275-0456-3F4D-B921-9E87CF373D9B}" type="datetimeFigureOut">
               <a:rPr lang="en-GB" smtClean="0"/>
-              <a:t>07/07/2024</a:t>
+              <a:t>18/07/2024</a:t>
             </a:fld>
             <a:endParaRPr lang="en-GB"/>
           </a:p>
@@ -2171,7 +2171,7 @@
           <a:p>
             <a:fld id="{62FDE275-0456-3F4D-B921-9E87CF373D9B}" type="datetimeFigureOut">
               <a:rPr lang="en-GB" smtClean="0"/>
-              <a:t>07/07/2024</a:t>
+              <a:t>18/07/2024</a:t>
             </a:fld>
             <a:endParaRPr lang="en-GB"/>
           </a:p>
@@ -2266,7 +2266,7 @@
           <a:p>
             <a:fld id="{62FDE275-0456-3F4D-B921-9E87CF373D9B}" type="datetimeFigureOut">
               <a:rPr lang="en-GB" smtClean="0"/>
-              <a:t>07/07/2024</a:t>
+              <a:t>18/07/2024</a:t>
             </a:fld>
             <a:endParaRPr lang="en-GB"/>
           </a:p>
@@ -2543,7 +2543,7 @@
           <a:p>
             <a:fld id="{62FDE275-0456-3F4D-B921-9E87CF373D9B}" type="datetimeFigureOut">
               <a:rPr lang="en-GB" smtClean="0"/>
-              <a:t>07/07/2024</a:t>
+              <a:t>18/07/2024</a:t>
             </a:fld>
             <a:endParaRPr lang="en-GB"/>
           </a:p>
@@ -2800,7 +2800,7 @@
           <a:p>
             <a:fld id="{62FDE275-0456-3F4D-B921-9E87CF373D9B}" type="datetimeFigureOut">
               <a:rPr lang="en-GB" smtClean="0"/>
-              <a:t>07/07/2024</a:t>
+              <a:t>18/07/2024</a:t>
             </a:fld>
             <a:endParaRPr lang="en-GB"/>
           </a:p>
@@ -3013,7 +3013,7 @@
           <a:p>
             <a:fld id="{62FDE275-0456-3F4D-B921-9E87CF373D9B}" type="datetimeFigureOut">
               <a:rPr lang="en-GB" smtClean="0"/>
-              <a:t>07/07/2024</a:t>
+              <a:t>18/07/2024</a:t>
             </a:fld>
             <a:endParaRPr lang="en-GB"/>
           </a:p>
@@ -3470,13 +3470,13 @@
               <p:nvPr>
                 <p:extLst>
                   <p:ext uri="{D42A27DB-BD31-4B8C-83A1-F6EECF244321}">
-                    <p14:modId xmlns:p14="http://schemas.microsoft.com/office/powerpoint/2010/main" val="4106897586"/>
+                    <p14:modId xmlns:p14="http://schemas.microsoft.com/office/powerpoint/2010/main" val="3100175637"/>
                   </p:ext>
                 </p:extLst>
               </p:nvPr>
             </p:nvGraphicFramePr>
             <p:xfrm>
-              <a:off x="657949" y="2228692"/>
+              <a:off x="647558" y="2228692"/>
               <a:ext cx="3600000" cy="3110400"/>
             </p:xfrm>
             <a:graphic>
@@ -3537,7 +3537,7 @@
             </p:blipFill>
             <p:spPr>
               <a:xfrm>
-                <a:off x="657949" y="2228692"/>
+                <a:off x="647558" y="2228692"/>
                 <a:ext cx="3600000" cy="3110400"/>
               </a:xfrm>
               <a:prstGeom prst="rect">
@@ -3571,13 +3571,13 @@
               <p:nvPr>
                 <p:extLst>
                   <p:ext uri="{D42A27DB-BD31-4B8C-83A1-F6EECF244321}">
-                    <p14:modId xmlns:p14="http://schemas.microsoft.com/office/powerpoint/2010/main" val="1321858963"/>
+                    <p14:modId xmlns:p14="http://schemas.microsoft.com/office/powerpoint/2010/main" val="3473333389"/>
                   </p:ext>
                 </p:extLst>
               </p:nvPr>
             </p:nvGraphicFramePr>
             <p:xfrm>
-              <a:off x="1811001" y="221204"/>
+              <a:off x="1811001" y="210813"/>
               <a:ext cx="3600000" cy="3110400"/>
             </p:xfrm>
             <a:graphic>
@@ -3638,7 +3638,7 @@
             </p:blipFill>
             <p:spPr>
               <a:xfrm>
-                <a:off x="1811001" y="221204"/>
+                <a:off x="1811001" y="210813"/>
                 <a:ext cx="3600000" cy="3110400"/>
               </a:xfrm>
               <a:prstGeom prst="rect">
@@ -3672,7 +3672,7 @@
               <p:nvPr>
                 <p:extLst>
                   <p:ext uri="{D42A27DB-BD31-4B8C-83A1-F6EECF244321}">
-                    <p14:modId xmlns:p14="http://schemas.microsoft.com/office/powerpoint/2010/main" val="3370892285"/>
+                    <p14:modId xmlns:p14="http://schemas.microsoft.com/office/powerpoint/2010/main" val="2851352896"/>
                   </p:ext>
                 </p:extLst>
               </p:nvPr>
